--- a/docs/diagrams/ModelComponentClassEvenBetterOopDiagram.pptx
+++ b/docs/diagrams/ModelComponentClassEvenBetterOopDiagram.pptx
@@ -208,7 +208,7 @@
           <a:p>
             <a:fld id="{F5CC4B3F-88C1-4FFA-B1B6-F41C21DC6924}" type="datetimeFigureOut">
               <a:rPr lang="en-US" smtClean="0"/>
-              <a:t>10/16/18</a:t>
+              <a:t>10/23/18</a:t>
             </a:fld>
             <a:endParaRPr lang="en-US"/>
           </a:p>
@@ -654,7 +654,7 @@
           <a:p>
             <a:fld id="{78C97017-6FC3-485B-9764-EAC9E56C1D49}" type="datetimeFigureOut">
               <a:rPr lang="en-US" smtClean="0"/>
-              <a:t>10/16/18</a:t>
+              <a:t>10/23/18</a:t>
             </a:fld>
             <a:endParaRPr lang="en-US"/>
           </a:p>
@@ -822,7 +822,7 @@
           <a:p>
             <a:fld id="{78C97017-6FC3-485B-9764-EAC9E56C1D49}" type="datetimeFigureOut">
               <a:rPr lang="en-US" smtClean="0"/>
-              <a:t>10/16/18</a:t>
+              <a:t>10/23/18</a:t>
             </a:fld>
             <a:endParaRPr lang="en-US"/>
           </a:p>
@@ -1000,7 +1000,7 @@
           <a:p>
             <a:fld id="{78C97017-6FC3-485B-9764-EAC9E56C1D49}" type="datetimeFigureOut">
               <a:rPr lang="en-US" smtClean="0"/>
-              <a:t>10/16/18</a:t>
+              <a:t>10/23/18</a:t>
             </a:fld>
             <a:endParaRPr lang="en-US"/>
           </a:p>
@@ -1168,7 +1168,7 @@
           <a:p>
             <a:fld id="{78C97017-6FC3-485B-9764-EAC9E56C1D49}" type="datetimeFigureOut">
               <a:rPr lang="en-US" smtClean="0"/>
-              <a:t>10/16/18</a:t>
+              <a:t>10/23/18</a:t>
             </a:fld>
             <a:endParaRPr lang="en-US"/>
           </a:p>
@@ -1413,7 +1413,7 @@
           <a:p>
             <a:fld id="{78C97017-6FC3-485B-9764-EAC9E56C1D49}" type="datetimeFigureOut">
               <a:rPr lang="en-US" smtClean="0"/>
-              <a:t>10/16/18</a:t>
+              <a:t>10/23/18</a:t>
             </a:fld>
             <a:endParaRPr lang="en-US"/>
           </a:p>
@@ -1698,7 +1698,7 @@
           <a:p>
             <a:fld id="{78C97017-6FC3-485B-9764-EAC9E56C1D49}" type="datetimeFigureOut">
               <a:rPr lang="en-US" smtClean="0"/>
-              <a:t>10/16/18</a:t>
+              <a:t>10/23/18</a:t>
             </a:fld>
             <a:endParaRPr lang="en-US"/>
           </a:p>
@@ -2117,7 +2117,7 @@
           <a:p>
             <a:fld id="{78C97017-6FC3-485B-9764-EAC9E56C1D49}" type="datetimeFigureOut">
               <a:rPr lang="en-US" smtClean="0"/>
-              <a:t>10/16/18</a:t>
+              <a:t>10/23/18</a:t>
             </a:fld>
             <a:endParaRPr lang="en-US"/>
           </a:p>
@@ -2234,7 +2234,7 @@
           <a:p>
             <a:fld id="{78C97017-6FC3-485B-9764-EAC9E56C1D49}" type="datetimeFigureOut">
               <a:rPr lang="en-US" smtClean="0"/>
-              <a:t>10/16/18</a:t>
+              <a:t>10/23/18</a:t>
             </a:fld>
             <a:endParaRPr lang="en-US"/>
           </a:p>
@@ -2329,7 +2329,7 @@
           <a:p>
             <a:fld id="{78C97017-6FC3-485B-9764-EAC9E56C1D49}" type="datetimeFigureOut">
               <a:rPr lang="en-US" smtClean="0"/>
-              <a:t>10/16/18</a:t>
+              <a:t>10/23/18</a:t>
             </a:fld>
             <a:endParaRPr lang="en-US"/>
           </a:p>
@@ -2604,7 +2604,7 @@
           <a:p>
             <a:fld id="{78C97017-6FC3-485B-9764-EAC9E56C1D49}" type="datetimeFigureOut">
               <a:rPr lang="en-US" smtClean="0"/>
-              <a:t>10/16/18</a:t>
+              <a:t>10/23/18</a:t>
             </a:fld>
             <a:endParaRPr lang="en-US"/>
           </a:p>
@@ -2856,7 +2856,7 @@
           <a:p>
             <a:fld id="{78C97017-6FC3-485B-9764-EAC9E56C1D49}" type="datetimeFigureOut">
               <a:rPr lang="en-US" smtClean="0"/>
-              <a:t>10/16/18</a:t>
+              <a:t>10/23/18</a:t>
             </a:fld>
             <a:endParaRPr lang="en-US"/>
           </a:p>
@@ -3067,7 +3067,7 @@
           <a:p>
             <a:fld id="{78C97017-6FC3-485B-9764-EAC9E56C1D49}" type="datetimeFigureOut">
               <a:rPr lang="en-US" smtClean="0"/>
-              <a:t>10/16/18</a:t>
+              <a:t>10/23/18</a:t>
             </a:fld>
             <a:endParaRPr lang="en-US"/>
           </a:p>
@@ -6030,12 +6030,12 @@
           <a:p>
             <a:pPr algn="ctr"/>
             <a:r>
-              <a:rPr lang="en-US" sz="750" dirty="0" err="1">
+              <a:rPr lang="en-US" sz="600" dirty="0" err="1">
                 <a:solidFill>
                   <a:srgbClr val="7030A0"/>
                 </a:solidFill>
               </a:rPr>
-              <a:t>EnrolledClass</a:t>
+              <a:t>EnrolledModule</a:t>
             </a:r>
             <a:endParaRPr lang="en-SG" sz="750" dirty="0">
               <a:solidFill>
@@ -6185,14 +6185,14 @@
           <a:p>
             <a:pPr algn="ctr"/>
             <a:r>
-              <a:rPr lang="en-US" sz="1050" dirty="0" err="1">
+              <a:rPr lang="en-US" sz="900" dirty="0" err="1">
                 <a:solidFill>
                   <a:srgbClr val="7030A0"/>
                 </a:solidFill>
               </a:rPr>
-              <a:t>UniqueEnrolledClassList</a:t>
-            </a:r>
-            <a:endParaRPr lang="en-SG" sz="1050" dirty="0">
+              <a:t>UniqueEnrolledModuleList</a:t>
+            </a:r>
+            <a:endParaRPr lang="en-SG" sz="900" dirty="0">
               <a:solidFill>
                 <a:srgbClr val="7030A0"/>
               </a:solidFill>
